--- a/课程PPT/05.JavaScript函数进阶二（ 4、JS作用域及执行上下文 5、IIFE模式）.pptx
+++ b/课程PPT/05.JavaScript函数进阶二（ 4、JS作用域及执行上下文 5、IIFE模式）.pptx
@@ -8464,7 +8464,114 @@
                 </a:solidFill>
                 <a:sym typeface="+mn-ea"/>
               </a:rPr>
-              <a:t>如果有多个文具店和多个银行，那么执行就有多种可能，形成不同的链式关系</a:t>
+              <a:t>如果有多个文具店和多个银行，那么</a:t>
+            </a:r>
+            <a:r>
+              <a:rPr kumimoji="0" lang="zh-CN" altLang="en-US" sz="2000" dirty="0" smtClean="0">
+                <a:solidFill>
+                  <a:srgbClr val="FF0000"/>
+                </a:solidFill>
+                <a:sym typeface="+mn-ea"/>
+              </a:rPr>
+              <a:t>执行就有多种可能</a:t>
+            </a:r>
+            <a:r>
+              <a:rPr kumimoji="0" lang="zh-CN" altLang="en-US" sz="2000" dirty="0" smtClean="0">
+                <a:solidFill>
+                  <a:schemeClr val="tx1"/>
+                </a:solidFill>
+                <a:sym typeface="+mn-ea"/>
+              </a:rPr>
+              <a:t>，形成不同的链式关系</a:t>
+            </a:r>
+            <a:br>
+              <a:rPr kumimoji="0" lang="zh-CN" altLang="en-US" sz="2000" dirty="0" smtClean="0">
+                <a:solidFill>
+                  <a:schemeClr val="tx1"/>
+                </a:solidFill>
+                <a:sym typeface="+mn-ea"/>
+              </a:rPr>
+            </a:br>
+            <a:r>
+              <a:rPr kumimoji="0" lang="en-US" altLang="zh-CN" sz="2000" dirty="0" smtClean="0">
+                <a:solidFill>
+                  <a:schemeClr val="tx1"/>
+                </a:solidFill>
+                <a:sym typeface="+mn-ea"/>
+              </a:rPr>
+              <a:t>- </a:t>
+            </a:r>
+            <a:r>
+              <a:rPr kumimoji="0" lang="zh-CN" altLang="en-US" sz="2000" dirty="0" smtClean="0">
+                <a:solidFill>
+                  <a:srgbClr val="FF0000"/>
+                </a:solidFill>
+                <a:sym typeface="+mn-ea"/>
+              </a:rPr>
+              <a:t>依然要遵从静态词法作用域</a:t>
+            </a:r>
+            <a:r>
+              <a:rPr kumimoji="0" lang="zh-CN" altLang="en-US" sz="2000" dirty="0" smtClean="0">
+                <a:solidFill>
+                  <a:schemeClr val="tx1"/>
+                </a:solidFill>
+                <a:sym typeface="+mn-ea"/>
+              </a:rPr>
+              <a:t>（在</a:t>
+            </a:r>
+            <a:r>
+              <a:rPr kumimoji="0" lang="en-US" altLang="zh-CN" sz="2000" dirty="0" smtClean="0">
+                <a:solidFill>
+                  <a:schemeClr val="tx1"/>
+                </a:solidFill>
+                <a:sym typeface="+mn-ea"/>
+              </a:rPr>
+              <a:t>A</a:t>
+            </a:r>
+            <a:r>
+              <a:rPr kumimoji="0" lang="zh-CN" altLang="en-US" sz="2000" dirty="0" smtClean="0">
+                <a:solidFill>
+                  <a:schemeClr val="tx1"/>
+                </a:solidFill>
+                <a:sym typeface="+mn-ea"/>
+              </a:rPr>
+              <a:t>文具店，应该有</a:t>
+            </a:r>
+            <a:r>
+              <a:rPr kumimoji="0" lang="en-US" altLang="zh-CN" sz="2000" dirty="0" smtClean="0">
+                <a:solidFill>
+                  <a:schemeClr val="tx1"/>
+                </a:solidFill>
+                <a:sym typeface="+mn-ea"/>
+              </a:rPr>
+              <a:t>A</a:t>
+            </a:r>
+            <a:r>
+              <a:rPr kumimoji="0" lang="zh-CN" altLang="en-US" sz="2000" dirty="0" smtClean="0">
+                <a:solidFill>
+                  <a:schemeClr val="tx1"/>
+                </a:solidFill>
+                <a:sym typeface="+mn-ea"/>
+              </a:rPr>
+              <a:t>店老板，而不应有</a:t>
+            </a:r>
+            <a:r>
+              <a:rPr kumimoji="0" lang="en-US" altLang="zh-CN" sz="2000" dirty="0" smtClean="0">
+                <a:solidFill>
+                  <a:schemeClr val="tx1"/>
+                </a:solidFill>
+                <a:sym typeface="+mn-ea"/>
+              </a:rPr>
+              <a:t>B</a:t>
+            </a:r>
+            <a:r>
+              <a:rPr kumimoji="0" lang="zh-CN" altLang="en-US" sz="2000" dirty="0" smtClean="0">
+                <a:solidFill>
+                  <a:schemeClr val="tx1"/>
+                </a:solidFill>
+                <a:sym typeface="+mn-ea"/>
+              </a:rPr>
+              <a:t>店老板）</a:t>
             </a:r>
             <a:endParaRPr kumimoji="0" lang="zh-CN" altLang="en-US" sz="2000" dirty="0" smtClean="0">
               <a:solidFill>
@@ -9117,30 +9224,21 @@
                             </p:childTnLst>
                           </p:cTn>
                         </p:par>
-                      </p:childTnLst>
-                    </p:cTn>
-                  </p:par>
-                  <p:par>
-                    <p:cTn id="9" fill="hold">
-                      <p:stCondLst>
-                        <p:cond delay="indefinite"/>
-                      </p:stCondLst>
-                      <p:childTnLst>
                         <p:par>
-                          <p:cTn id="10" fill="hold">
+                          <p:cTn id="9" fill="hold">
                             <p:stCondLst>
-                              <p:cond delay="0"/>
+                              <p:cond delay="500"/>
                             </p:stCondLst>
                             <p:childTnLst>
                               <p:par>
-                                <p:cTn id="11" presetID="2" presetClass="entr" presetSubtype="4" fill="hold" grpId="0" nodeType="clickEffect">
+                                <p:cTn id="10" presetID="2" presetClass="entr" presetSubtype="4" fill="hold" grpId="0" nodeType="afterEffect">
                                   <p:stCondLst>
                                     <p:cond delay="0"/>
                                   </p:stCondLst>
                                   <p:childTnLst>
                                     <p:set>
                                       <p:cBhvr>
-                                        <p:cTn id="12" dur="1" fill="hold">
+                                        <p:cTn id="11" dur="1" fill="hold">
                                           <p:stCondLst>
                                             <p:cond delay="0"/>
                                           </p:stCondLst>
@@ -9158,7 +9256,7 @@
                                     </p:set>
                                     <p:anim calcmode="lin" valueType="num">
                                       <p:cBhvr additive="base">
-                                        <p:cTn id="13" dur="500" fill="hold"/>
+                                        <p:cTn id="12" dur="500" fill="hold"/>
                                         <p:tgtEl>
                                           <p:spTgt spid="5"/>
                                         </p:tgtEl>
@@ -9181,7 +9279,7 @@
                                     </p:anim>
                                     <p:anim calcmode="lin" valueType="num">
                                       <p:cBhvr additive="base">
-                                        <p:cTn id="14" dur="500" fill="hold"/>
+                                        <p:cTn id="13" dur="500" fill="hold"/>
                                         <p:tgtEl>
                                           <p:spTgt spid="5"/>
                                         </p:tgtEl>
@@ -9206,14 +9304,14 @@
                                 </p:cTn>
                               </p:par>
                               <p:par>
-                                <p:cTn id="15" presetID="2" presetClass="entr" presetSubtype="4" fill="hold" grpId="0" nodeType="withEffect">
+                                <p:cTn id="14" presetID="2" presetClass="entr" presetSubtype="4" fill="hold" grpId="0" nodeType="withEffect">
                                   <p:stCondLst>
                                     <p:cond delay="0"/>
                                   </p:stCondLst>
                                   <p:childTnLst>
                                     <p:set>
                                       <p:cBhvr>
-                                        <p:cTn id="16" dur="1" fill="hold">
+                                        <p:cTn id="15" dur="1" fill="hold">
                                           <p:stCondLst>
                                             <p:cond delay="0"/>
                                           </p:stCondLst>
@@ -9231,7 +9329,7 @@
                                     </p:set>
                                     <p:anim calcmode="lin" valueType="num">
                                       <p:cBhvr additive="base">
-                                        <p:cTn id="17" dur="500" fill="hold"/>
+                                        <p:cTn id="16" dur="500" fill="hold"/>
                                         <p:tgtEl>
                                           <p:spTgt spid="6"/>
                                         </p:tgtEl>
@@ -9254,7 +9352,7 @@
                                     </p:anim>
                                     <p:anim calcmode="lin" valueType="num">
                                       <p:cBhvr additive="base">
-                                        <p:cTn id="18" dur="500" fill="hold"/>
+                                        <p:cTn id="17" dur="500" fill="hold"/>
                                         <p:tgtEl>
                                           <p:spTgt spid="6"/>
                                         </p:tgtEl>
@@ -9279,14 +9377,14 @@
                                 </p:cTn>
                               </p:par>
                               <p:par>
-                                <p:cTn id="19" presetID="2" presetClass="entr" presetSubtype="4" fill="hold" grpId="0" nodeType="withEffect">
+                                <p:cTn id="18" presetID="2" presetClass="entr" presetSubtype="4" fill="hold" grpId="0" nodeType="withEffect">
                                   <p:stCondLst>
                                     <p:cond delay="0"/>
                                   </p:stCondLst>
                                   <p:childTnLst>
                                     <p:set>
                                       <p:cBhvr>
-                                        <p:cTn id="20" dur="1" fill="hold">
+                                        <p:cTn id="19" dur="1" fill="hold">
                                           <p:stCondLst>
                                             <p:cond delay="0"/>
                                           </p:stCondLst>
@@ -9304,7 +9402,7 @@
                                     </p:set>
                                     <p:anim calcmode="lin" valueType="num">
                                       <p:cBhvr additive="base">
-                                        <p:cTn id="21" dur="500" fill="hold"/>
+                                        <p:cTn id="20" dur="500" fill="hold"/>
                                         <p:tgtEl>
                                           <p:spTgt spid="7"/>
                                         </p:tgtEl>
@@ -9327,7 +9425,7 @@
                                     </p:anim>
                                     <p:anim calcmode="lin" valueType="num">
                                       <p:cBhvr additive="base">
-                                        <p:cTn id="22" dur="500" fill="hold"/>
+                                        <p:cTn id="21" dur="500" fill="hold"/>
                                         <p:tgtEl>
                                           <p:spTgt spid="7"/>
                                         </p:tgtEl>
@@ -9352,14 +9450,14 @@
                                 </p:cTn>
                               </p:par>
                               <p:par>
-                                <p:cTn id="23" presetID="2" presetClass="entr" presetSubtype="4" fill="hold" grpId="0" nodeType="withEffect">
+                                <p:cTn id="22" presetID="2" presetClass="entr" presetSubtype="4" fill="hold" grpId="0" nodeType="withEffect">
                                   <p:stCondLst>
                                     <p:cond delay="0"/>
                                   </p:stCondLst>
                                   <p:childTnLst>
                                     <p:set>
                                       <p:cBhvr>
-                                        <p:cTn id="24" dur="1" fill="hold">
+                                        <p:cTn id="23" dur="1" fill="hold">
                                           <p:stCondLst>
                                             <p:cond delay="0"/>
                                           </p:stCondLst>
@@ -9377,7 +9475,7 @@
                                     </p:set>
                                     <p:anim calcmode="lin" valueType="num">
                                       <p:cBhvr additive="base">
-                                        <p:cTn id="25" dur="500" fill="hold"/>
+                                        <p:cTn id="24" dur="500" fill="hold"/>
                                         <p:tgtEl>
                                           <p:spTgt spid="8"/>
                                         </p:tgtEl>
@@ -9400,7 +9498,7 @@
                                     </p:anim>
                                     <p:anim calcmode="lin" valueType="num">
                                       <p:cBhvr additive="base">
-                                        <p:cTn id="26" dur="500" fill="hold"/>
+                                        <p:cTn id="25" dur="500" fill="hold"/>
                                         <p:tgtEl>
                                           <p:spTgt spid="8"/>
                                         </p:tgtEl>
@@ -9425,14 +9523,14 @@
                                 </p:cTn>
                               </p:par>
                               <p:par>
-                                <p:cTn id="27" presetID="2" presetClass="entr" presetSubtype="4" fill="hold" grpId="0" nodeType="withEffect">
+                                <p:cTn id="26" presetID="2" presetClass="entr" presetSubtype="4" fill="hold" grpId="0" nodeType="withEffect">
                                   <p:stCondLst>
                                     <p:cond delay="0"/>
                                   </p:stCondLst>
                                   <p:childTnLst>
                                     <p:set>
                                       <p:cBhvr>
-                                        <p:cTn id="28" dur="1" fill="hold">
+                                        <p:cTn id="27" dur="1" fill="hold">
                                           <p:stCondLst>
                                             <p:cond delay="0"/>
                                           </p:stCondLst>
@@ -9450,7 +9548,7 @@
                                     </p:set>
                                     <p:anim calcmode="lin" valueType="num">
                                       <p:cBhvr additive="base">
-                                        <p:cTn id="29" dur="500" fill="hold"/>
+                                        <p:cTn id="28" dur="500" fill="hold"/>
                                         <p:tgtEl>
                                           <p:spTgt spid="9"/>
                                         </p:tgtEl>
@@ -9473,7 +9571,7 @@
                                     </p:anim>
                                     <p:anim calcmode="lin" valueType="num">
                                       <p:cBhvr additive="base">
-                                        <p:cTn id="30" dur="500" fill="hold"/>
+                                        <p:cTn id="29" dur="500" fill="hold"/>
                                         <p:tgtEl>
                                           <p:spTgt spid="9"/>
                                         </p:tgtEl>
@@ -9498,14 +9596,14 @@
                                 </p:cTn>
                               </p:par>
                               <p:par>
-                                <p:cTn id="31" presetID="2" presetClass="entr" presetSubtype="4" fill="hold" grpId="0" nodeType="withEffect">
+                                <p:cTn id="30" presetID="2" presetClass="entr" presetSubtype="4" fill="hold" grpId="0" nodeType="withEffect">
                                   <p:stCondLst>
                                     <p:cond delay="0"/>
                                   </p:stCondLst>
                                   <p:childTnLst>
                                     <p:set>
                                       <p:cBhvr>
-                                        <p:cTn id="32" dur="1" fill="hold">
+                                        <p:cTn id="31" dur="1" fill="hold">
                                           <p:stCondLst>
                                             <p:cond delay="0"/>
                                           </p:stCondLst>
@@ -9523,7 +9621,7 @@
                                     </p:set>
                                     <p:anim calcmode="lin" valueType="num">
                                       <p:cBhvr additive="base">
-                                        <p:cTn id="33" dur="500" fill="hold"/>
+                                        <p:cTn id="32" dur="500" fill="hold"/>
                                         <p:tgtEl>
                                           <p:spTgt spid="10"/>
                                         </p:tgtEl>
@@ -9546,7 +9644,7 @@
                                     </p:anim>
                                     <p:anim calcmode="lin" valueType="num">
                                       <p:cBhvr additive="base">
-                                        <p:cTn id="34" dur="500" fill="hold"/>
+                                        <p:cTn id="33" dur="500" fill="hold"/>
                                         <p:tgtEl>
                                           <p:spTgt spid="10"/>
                                         </p:tgtEl>
@@ -9571,14 +9669,14 @@
                                 </p:cTn>
                               </p:par>
                               <p:par>
-                                <p:cTn id="35" presetID="2" presetClass="entr" presetSubtype="4" fill="hold" grpId="0" nodeType="withEffect">
+                                <p:cTn id="34" presetID="2" presetClass="entr" presetSubtype="4" fill="hold" grpId="0" nodeType="withEffect">
                                   <p:stCondLst>
                                     <p:cond delay="0"/>
                                   </p:stCondLst>
                                   <p:childTnLst>
                                     <p:set>
                                       <p:cBhvr>
-                                        <p:cTn id="36" dur="1" fill="hold">
+                                        <p:cTn id="35" dur="1" fill="hold">
                                           <p:stCondLst>
                                             <p:cond delay="0"/>
                                           </p:stCondLst>
@@ -9596,7 +9694,7 @@
                                     </p:set>
                                     <p:anim calcmode="lin" valueType="num">
                                       <p:cBhvr additive="base">
-                                        <p:cTn id="37" dur="500" fill="hold"/>
+                                        <p:cTn id="36" dur="500" fill="hold"/>
                                         <p:tgtEl>
                                           <p:spTgt spid="11"/>
                                         </p:tgtEl>
@@ -9619,7 +9717,7 @@
                                     </p:anim>
                                     <p:anim calcmode="lin" valueType="num">
                                       <p:cBhvr additive="base">
-                                        <p:cTn id="38" dur="500" fill="hold"/>
+                                        <p:cTn id="37" dur="500" fill="hold"/>
                                         <p:tgtEl>
                                           <p:spTgt spid="11"/>
                                         </p:tgtEl>
@@ -9644,14 +9742,14 @@
                                 </p:cTn>
                               </p:par>
                               <p:par>
-                                <p:cTn id="39" presetID="2" presetClass="entr" presetSubtype="4" fill="hold" grpId="0" nodeType="withEffect">
+                                <p:cTn id="38" presetID="2" presetClass="entr" presetSubtype="4" fill="hold" grpId="0" nodeType="withEffect">
                                   <p:stCondLst>
                                     <p:cond delay="0"/>
                                   </p:stCondLst>
                                   <p:childTnLst>
                                     <p:set>
                                       <p:cBhvr>
-                                        <p:cTn id="40" dur="1" fill="hold">
+                                        <p:cTn id="39" dur="1" fill="hold">
                                           <p:stCondLst>
                                             <p:cond delay="0"/>
                                           </p:stCondLst>
@@ -9669,7 +9767,7 @@
                                     </p:set>
                                     <p:anim calcmode="lin" valueType="num">
                                       <p:cBhvr additive="base">
-                                        <p:cTn id="41" dur="500" fill="hold"/>
+                                        <p:cTn id="40" dur="500" fill="hold"/>
                                         <p:tgtEl>
                                           <p:spTgt spid="12"/>
                                         </p:tgtEl>
@@ -9692,7 +9790,7 @@
                                     </p:anim>
                                     <p:anim calcmode="lin" valueType="num">
                                       <p:cBhvr additive="base">
-                                        <p:cTn id="42" dur="500" fill="hold"/>
+                                        <p:cTn id="41" dur="500" fill="hold"/>
                                         <p:tgtEl>
                                           <p:spTgt spid="12"/>
                                         </p:tgtEl>
@@ -9717,14 +9815,14 @@
                                 </p:cTn>
                               </p:par>
                               <p:par>
-                                <p:cTn id="43" presetID="2" presetClass="entr" presetSubtype="4" fill="hold" grpId="0" nodeType="withEffect">
+                                <p:cTn id="42" presetID="2" presetClass="entr" presetSubtype="4" fill="hold" grpId="0" nodeType="withEffect">
                                   <p:stCondLst>
                                     <p:cond delay="0"/>
                                   </p:stCondLst>
                                   <p:childTnLst>
                                     <p:set>
                                       <p:cBhvr>
-                                        <p:cTn id="44" dur="1" fill="hold">
+                                        <p:cTn id="43" dur="1" fill="hold">
                                           <p:stCondLst>
                                             <p:cond delay="0"/>
                                           </p:stCondLst>
@@ -9742,7 +9840,7 @@
                                     </p:set>
                                     <p:anim calcmode="lin" valueType="num">
                                       <p:cBhvr additive="base">
-                                        <p:cTn id="45" dur="500" fill="hold"/>
+                                        <p:cTn id="44" dur="500" fill="hold"/>
                                         <p:tgtEl>
                                           <p:spTgt spid="13"/>
                                         </p:tgtEl>
@@ -9765,7 +9863,7 @@
                                     </p:anim>
                                     <p:anim calcmode="lin" valueType="num">
                                       <p:cBhvr additive="base">
-                                        <p:cTn id="46" dur="500" fill="hold"/>
+                                        <p:cTn id="45" dur="500" fill="hold"/>
                                         <p:tgtEl>
                                           <p:spTgt spid="13"/>
                                         </p:tgtEl>
@@ -9790,14 +9888,14 @@
                                 </p:cTn>
                               </p:par>
                               <p:par>
-                                <p:cTn id="47" presetID="2" presetClass="entr" presetSubtype="4" fill="hold" grpId="0" nodeType="withEffect">
+                                <p:cTn id="46" presetID="2" presetClass="entr" presetSubtype="4" fill="hold" grpId="0" nodeType="withEffect">
                                   <p:stCondLst>
                                     <p:cond delay="0"/>
                                   </p:stCondLst>
                                   <p:childTnLst>
                                     <p:set>
                                       <p:cBhvr>
-                                        <p:cTn id="48" dur="1" fill="hold">
+                                        <p:cTn id="47" dur="1" fill="hold">
                                           <p:stCondLst>
                                             <p:cond delay="0"/>
                                           </p:stCondLst>
@@ -9815,7 +9913,7 @@
                                     </p:set>
                                     <p:anim calcmode="lin" valueType="num">
                                       <p:cBhvr additive="base">
-                                        <p:cTn id="49" dur="500" fill="hold"/>
+                                        <p:cTn id="48" dur="500" fill="hold"/>
                                         <p:tgtEl>
                                           <p:spTgt spid="14"/>
                                         </p:tgtEl>
@@ -9838,7 +9936,7 @@
                                     </p:anim>
                                     <p:anim calcmode="lin" valueType="num">
                                       <p:cBhvr additive="base">
-                                        <p:cTn id="50" dur="500" fill="hold"/>
+                                        <p:cTn id="49" dur="500" fill="hold"/>
                                         <p:tgtEl>
                                           <p:spTgt spid="14"/>
                                         </p:tgtEl>
@@ -18188,7 +18286,7 @@
         <p:spPr>
           <a:xfrm>
             <a:off x="9309100" y="2486025"/>
-            <a:ext cx="2762250" cy="3138170"/>
+            <a:ext cx="2762250" cy="3476625"/>
           </a:xfrm>
           <a:prstGeom prst="rect">
             <a:avLst/>
@@ -18220,6 +18318,35 @@
                 <a:ea typeface="+mn-ea"/>
               </a:rPr>
               <a:t>demo08</a:t>
+            </a:r>
+            <a:br>
+              <a:rPr lang="en-US" altLang="zh-CN" sz="2200">
+                <a:solidFill>
+                  <a:srgbClr val="FF0000"/>
+                </a:solidFill>
+                <a:latin typeface="+mn-ea"/>
+                <a:ea typeface="+mn-ea"/>
+              </a:rPr>
+            </a:br>
+            <a:r>
+              <a:rPr lang="zh-CN" altLang="en-US" sz="2200">
+                <a:solidFill>
+                  <a:srgbClr val="FF0000"/>
+                </a:solidFill>
+                <a:latin typeface="+mn-ea"/>
+                <a:ea typeface="+mn-ea"/>
+              </a:rPr>
+              <a:t>和</a:t>
+            </a:r>
+            <a:r>
+              <a:rPr lang="en-US" altLang="zh-CN" sz="2200">
+                <a:solidFill>
+                  <a:srgbClr val="FF0000"/>
+                </a:solidFill>
+                <a:latin typeface="+mn-ea"/>
+                <a:ea typeface="+mn-ea"/>
+              </a:rPr>
+              <a:t>index08</a:t>
             </a:r>
             <a:br>
               <a:rPr lang="en-US" altLang="zh-CN" sz="2200">
